--- a/16317/f15/lectures/16.317f15_lec1_intro.pptx
+++ b/16317/f15/lectures/16.317f15_lec1_intro.pptx
@@ -520,7 +520,7 @@
         <p:nvSpPr>
           <p:cNvPr id="19460" name="Rectangle 4"/>
           <p:cNvSpPr>
-            <a:spLocks noRot="1" noChangeArrowheads="1" noTextEdit="1"/>
+            <a:spLocks noGrp="1" noRot="1" noChangeAspect="1" noChangeArrowheads="1" noTextEdit="1"/>
           </p:cNvSpPr>
           <p:nvPr>
             <p:ph type="sldImg" idx="2"/>
@@ -544,7 +544,7 @@
             <a:tailEnd/>
           </a:ln>
           <a:extLst>
-            <a:ext uri="{909E8E84-426E-40dd-AFC4-6F175D3DCCD1}">
+            <a:ext uri="{909E8E84-426E-40DD-AFC4-6F175D3DCCD1}">
               <a14:hiddenFill xmlns:a14="http://schemas.microsoft.com/office/drawing/2010/main">
                 <a:solidFill>
                   <a:srgbClr val="FFFFFF"/>
@@ -552,7 +552,7 @@
               </a14:hiddenFill>
             </a:ext>
             <a:ext uri="{FAA26D3D-D897-4be2-8F04-BA451C77F1D7}">
-              <ma14:placeholderFlag xmlns:ma14="http://schemas.microsoft.com/office/mac/drawingml/2011/main" val="1"/>
+              <ma14:placeholderFlag xmlns:ma14="http://schemas.microsoft.com/office/mac/drawingml/2011/main" xmlns="" val="1"/>
             </a:ext>
           </a:extLst>
         </p:spPr>
@@ -890,14 +890,14 @@
           <a:noFill/>
           <a:ln/>
           <a:extLst>
-            <a:ext uri="{909E8E84-426E-40dd-AFC4-6F175D3DCCD1}">
+            <a:ext uri="{909E8E84-426E-40DD-AFC4-6F175D3DCCD1}">
               <a14:hiddenFill xmlns:a14="http://schemas.microsoft.com/office/drawing/2010/main">
                 <a:solidFill>
                   <a:srgbClr val="FFFFFF"/>
                 </a:solidFill>
               </a14:hiddenFill>
             </a:ext>
-            <a:ext uri="{91240B29-F687-4f45-9708-019B960494DF}">
+            <a:ext uri="{91240B29-F687-4F45-9708-019B960494DF}">
               <a14:hiddenLine xmlns:a14="http://schemas.microsoft.com/office/drawing/2010/main" w="9525">
                 <a:solidFill>
                   <a:srgbClr val="000000"/>
@@ -1041,7 +1041,7 @@
         <p:nvSpPr>
           <p:cNvPr id="20483" name="Rectangle 2"/>
           <p:cNvSpPr>
-            <a:spLocks noRot="1" noChangeArrowheads="1" noTextEdit="1"/>
+            <a:spLocks noGrp="1" noRot="1" noChangeAspect="1" noChangeArrowheads="1" noTextEdit="1"/>
           </p:cNvSpPr>
           <p:nvPr>
             <p:ph type="sldImg"/>
@@ -1065,14 +1065,14 @@
           <a:noFill/>
           <a:ln/>
           <a:extLst>
-            <a:ext uri="{909E8E84-426E-40dd-AFC4-6F175D3DCCD1}">
+            <a:ext uri="{909E8E84-426E-40DD-AFC4-6F175D3DCCD1}">
               <a14:hiddenFill xmlns:a14="http://schemas.microsoft.com/office/drawing/2010/main">
                 <a:solidFill>
                   <a:srgbClr val="FFFFFF"/>
                 </a:solidFill>
               </a14:hiddenFill>
             </a:ext>
-            <a:ext uri="{91240B29-F687-4f45-9708-019B960494DF}">
+            <a:ext uri="{91240B29-F687-4F45-9708-019B960494DF}">
               <a14:hiddenLine xmlns:a14="http://schemas.microsoft.com/office/drawing/2010/main" w="9525">
                 <a:solidFill>
                   <a:srgbClr val="000000"/>
@@ -1083,7 +1083,7 @@
               </a14:hiddenLine>
             </a:ext>
             <a:ext uri="{FAA26D3D-D897-4be2-8F04-BA451C77F1D7}">
-              <ma14:placeholderFlag xmlns:ma14="http://schemas.microsoft.com/office/mac/drawingml/2011/main" val="1"/>
+              <ma14:placeholderFlag xmlns:ma14="http://schemas.microsoft.com/office/mac/drawingml/2011/main" xmlns="" val="1"/>
             </a:ext>
           </a:extLst>
         </p:spPr>
@@ -1135,14 +1135,14 @@
           <a:noFill/>
           <a:ln/>
           <a:extLst>
-            <a:ext uri="{909E8E84-426E-40dd-AFC4-6F175D3DCCD1}">
+            <a:ext uri="{909E8E84-426E-40DD-AFC4-6F175D3DCCD1}">
               <a14:hiddenFill xmlns:a14="http://schemas.microsoft.com/office/drawing/2010/main">
                 <a:solidFill>
                   <a:srgbClr val="FFFFFF"/>
                 </a:solidFill>
               </a14:hiddenFill>
             </a:ext>
-            <a:ext uri="{91240B29-F687-4f45-9708-019B960494DF}">
+            <a:ext uri="{91240B29-F687-4F45-9708-019B960494DF}">
               <a14:hiddenLine xmlns:a14="http://schemas.microsoft.com/office/drawing/2010/main" w="9525">
                 <a:solidFill>
                   <a:srgbClr val="000000"/>
@@ -1286,7 +1286,7 @@
         <p:nvSpPr>
           <p:cNvPr id="21507" name="Rectangle 2"/>
           <p:cNvSpPr>
-            <a:spLocks noRot="1" noChangeArrowheads="1" noTextEdit="1"/>
+            <a:spLocks noGrp="1" noRot="1" noChangeAspect="1" noChangeArrowheads="1" noTextEdit="1"/>
           </p:cNvSpPr>
           <p:nvPr>
             <p:ph type="sldImg"/>
@@ -1310,14 +1310,14 @@
           <a:noFill/>
           <a:ln/>
           <a:extLst>
-            <a:ext uri="{909E8E84-426E-40dd-AFC4-6F175D3DCCD1}">
+            <a:ext uri="{909E8E84-426E-40DD-AFC4-6F175D3DCCD1}">
               <a14:hiddenFill xmlns:a14="http://schemas.microsoft.com/office/drawing/2010/main">
                 <a:solidFill>
                   <a:srgbClr val="FFFFFF"/>
                 </a:solidFill>
               </a14:hiddenFill>
             </a:ext>
-            <a:ext uri="{91240B29-F687-4f45-9708-019B960494DF}">
+            <a:ext uri="{91240B29-F687-4F45-9708-019B960494DF}">
               <a14:hiddenLine xmlns:a14="http://schemas.microsoft.com/office/drawing/2010/main" w="9525">
                 <a:solidFill>
                   <a:srgbClr val="000000"/>
@@ -1328,7 +1328,7 @@
               </a14:hiddenLine>
             </a:ext>
             <a:ext uri="{FAA26D3D-D897-4be2-8F04-BA451C77F1D7}">
-              <ma14:placeholderFlag xmlns:ma14="http://schemas.microsoft.com/office/mac/drawingml/2011/main" val="1"/>
+              <ma14:placeholderFlag xmlns:ma14="http://schemas.microsoft.com/office/mac/drawingml/2011/main" xmlns="" val="1"/>
             </a:ext>
           </a:extLst>
         </p:spPr>
@@ -1380,14 +1380,14 @@
           <a:noFill/>
           <a:ln/>
           <a:extLst>
-            <a:ext uri="{909E8E84-426E-40dd-AFC4-6F175D3DCCD1}">
+            <a:ext uri="{909E8E84-426E-40DD-AFC4-6F175D3DCCD1}">
               <a14:hiddenFill xmlns:a14="http://schemas.microsoft.com/office/drawing/2010/main">
                 <a:solidFill>
                   <a:srgbClr val="FFFFFF"/>
                 </a:solidFill>
               </a14:hiddenFill>
             </a:ext>
-            <a:ext uri="{91240B29-F687-4f45-9708-019B960494DF}">
+            <a:ext uri="{91240B29-F687-4F45-9708-019B960494DF}">
               <a14:hiddenLine xmlns:a14="http://schemas.microsoft.com/office/drawing/2010/main" w="9525">
                 <a:solidFill>
                   <a:srgbClr val="000000"/>
@@ -1531,7 +1531,7 @@
         <p:nvSpPr>
           <p:cNvPr id="22531" name="Rectangle 2"/>
           <p:cNvSpPr>
-            <a:spLocks noRot="1" noChangeArrowheads="1" noTextEdit="1"/>
+            <a:spLocks noGrp="1" noRot="1" noChangeAspect="1" noChangeArrowheads="1" noTextEdit="1"/>
           </p:cNvSpPr>
           <p:nvPr>
             <p:ph type="sldImg"/>
@@ -1555,14 +1555,14 @@
           <a:noFill/>
           <a:ln/>
           <a:extLst>
-            <a:ext uri="{909E8E84-426E-40dd-AFC4-6F175D3DCCD1}">
+            <a:ext uri="{909E8E84-426E-40DD-AFC4-6F175D3DCCD1}">
               <a14:hiddenFill xmlns:a14="http://schemas.microsoft.com/office/drawing/2010/main">
                 <a:solidFill>
                   <a:srgbClr val="FFFFFF"/>
                 </a:solidFill>
               </a14:hiddenFill>
             </a:ext>
-            <a:ext uri="{91240B29-F687-4f45-9708-019B960494DF}">
+            <a:ext uri="{91240B29-F687-4F45-9708-019B960494DF}">
               <a14:hiddenLine xmlns:a14="http://schemas.microsoft.com/office/drawing/2010/main" w="9525">
                 <a:solidFill>
                   <a:srgbClr val="000000"/>
@@ -1573,7 +1573,7 @@
               </a14:hiddenLine>
             </a:ext>
             <a:ext uri="{FAA26D3D-D897-4be2-8F04-BA451C77F1D7}">
-              <ma14:placeholderFlag xmlns:ma14="http://schemas.microsoft.com/office/mac/drawingml/2011/main" val="1"/>
+              <ma14:placeholderFlag xmlns:ma14="http://schemas.microsoft.com/office/mac/drawingml/2011/main" xmlns="" val="1"/>
             </a:ext>
           </a:extLst>
         </p:spPr>
@@ -1625,14 +1625,14 @@
           <a:noFill/>
           <a:ln/>
           <a:extLst>
-            <a:ext uri="{909E8E84-426E-40dd-AFC4-6F175D3DCCD1}">
+            <a:ext uri="{909E8E84-426E-40DD-AFC4-6F175D3DCCD1}">
               <a14:hiddenFill xmlns:a14="http://schemas.microsoft.com/office/drawing/2010/main">
                 <a:solidFill>
                   <a:srgbClr val="FFFFFF"/>
                 </a:solidFill>
               </a14:hiddenFill>
             </a:ext>
-            <a:ext uri="{91240B29-F687-4f45-9708-019B960494DF}">
+            <a:ext uri="{91240B29-F687-4F45-9708-019B960494DF}">
               <a14:hiddenLine xmlns:a14="http://schemas.microsoft.com/office/drawing/2010/main" w="9525">
                 <a:solidFill>
                   <a:srgbClr val="000000"/>
@@ -1776,7 +1776,7 @@
         <p:nvSpPr>
           <p:cNvPr id="23555" name="Rectangle 2"/>
           <p:cNvSpPr>
-            <a:spLocks noRot="1" noChangeArrowheads="1" noTextEdit="1"/>
+            <a:spLocks noGrp="1" noRot="1" noChangeAspect="1" noChangeArrowheads="1" noTextEdit="1"/>
           </p:cNvSpPr>
           <p:nvPr>
             <p:ph type="sldImg"/>
@@ -1800,14 +1800,14 @@
           <a:noFill/>
           <a:ln/>
           <a:extLst>
-            <a:ext uri="{909E8E84-426E-40dd-AFC4-6F175D3DCCD1}">
+            <a:ext uri="{909E8E84-426E-40DD-AFC4-6F175D3DCCD1}">
               <a14:hiddenFill xmlns:a14="http://schemas.microsoft.com/office/drawing/2010/main">
                 <a:solidFill>
                   <a:srgbClr val="FFFFFF"/>
                 </a:solidFill>
               </a14:hiddenFill>
             </a:ext>
-            <a:ext uri="{91240B29-F687-4f45-9708-019B960494DF}">
+            <a:ext uri="{91240B29-F687-4F45-9708-019B960494DF}">
               <a14:hiddenLine xmlns:a14="http://schemas.microsoft.com/office/drawing/2010/main" w="9525">
                 <a:solidFill>
                   <a:srgbClr val="000000"/>
@@ -1818,7 +1818,7 @@
               </a14:hiddenLine>
             </a:ext>
             <a:ext uri="{FAA26D3D-D897-4be2-8F04-BA451C77F1D7}">
-              <ma14:placeholderFlag xmlns:ma14="http://schemas.microsoft.com/office/mac/drawingml/2011/main" val="1"/>
+              <ma14:placeholderFlag xmlns:ma14="http://schemas.microsoft.com/office/mac/drawingml/2011/main" xmlns="" val="1"/>
             </a:ext>
           </a:extLst>
         </p:spPr>
@@ -1870,14 +1870,14 @@
           <a:noFill/>
           <a:ln/>
           <a:extLst>
-            <a:ext uri="{909E8E84-426E-40dd-AFC4-6F175D3DCCD1}">
+            <a:ext uri="{909E8E84-426E-40DD-AFC4-6F175D3DCCD1}">
               <a14:hiddenFill xmlns:a14="http://schemas.microsoft.com/office/drawing/2010/main">
                 <a:solidFill>
                   <a:srgbClr val="FFFFFF"/>
                 </a:solidFill>
               </a14:hiddenFill>
             </a:ext>
-            <a:ext uri="{91240B29-F687-4f45-9708-019B960494DF}">
+            <a:ext uri="{91240B29-F687-4F45-9708-019B960494DF}">
               <a14:hiddenLine xmlns:a14="http://schemas.microsoft.com/office/drawing/2010/main" w="9525">
                 <a:solidFill>
                   <a:srgbClr val="000000"/>
@@ -2021,7 +2021,7 @@
         <p:nvSpPr>
           <p:cNvPr id="24579" name="Rectangle 2"/>
           <p:cNvSpPr>
-            <a:spLocks noRot="1" noChangeArrowheads="1" noTextEdit="1"/>
+            <a:spLocks noGrp="1" noRot="1" noChangeAspect="1" noChangeArrowheads="1" noTextEdit="1"/>
           </p:cNvSpPr>
           <p:nvPr>
             <p:ph type="sldImg"/>
@@ -2045,14 +2045,14 @@
           <a:noFill/>
           <a:ln/>
           <a:extLst>
-            <a:ext uri="{909E8E84-426E-40dd-AFC4-6F175D3DCCD1}">
+            <a:ext uri="{909E8E84-426E-40DD-AFC4-6F175D3DCCD1}">
               <a14:hiddenFill xmlns:a14="http://schemas.microsoft.com/office/drawing/2010/main">
                 <a:solidFill>
                   <a:srgbClr val="FFFFFF"/>
                 </a:solidFill>
               </a14:hiddenFill>
             </a:ext>
-            <a:ext uri="{91240B29-F687-4f45-9708-019B960494DF}">
+            <a:ext uri="{91240B29-F687-4F45-9708-019B960494DF}">
               <a14:hiddenLine xmlns:a14="http://schemas.microsoft.com/office/drawing/2010/main" w="9525">
                 <a:solidFill>
                   <a:srgbClr val="000000"/>
@@ -2063,7 +2063,7 @@
               </a14:hiddenLine>
             </a:ext>
             <a:ext uri="{FAA26D3D-D897-4be2-8F04-BA451C77F1D7}">
-              <ma14:placeholderFlag xmlns:ma14="http://schemas.microsoft.com/office/mac/drawingml/2011/main" val="1"/>
+              <ma14:placeholderFlag xmlns:ma14="http://schemas.microsoft.com/office/mac/drawingml/2011/main" xmlns="" val="1"/>
             </a:ext>
           </a:extLst>
         </p:spPr>
@@ -2115,14 +2115,14 @@
           <a:noFill/>
           <a:ln/>
           <a:extLst>
-            <a:ext uri="{909E8E84-426E-40dd-AFC4-6F175D3DCCD1}">
+            <a:ext uri="{909E8E84-426E-40DD-AFC4-6F175D3DCCD1}">
               <a14:hiddenFill xmlns:a14="http://schemas.microsoft.com/office/drawing/2010/main">
                 <a:solidFill>
                   <a:srgbClr val="FFFFFF"/>
                 </a:solidFill>
               </a14:hiddenFill>
             </a:ext>
-            <a:ext uri="{91240B29-F687-4f45-9708-019B960494DF}">
+            <a:ext uri="{91240B29-F687-4F45-9708-019B960494DF}">
               <a14:hiddenLine xmlns:a14="http://schemas.microsoft.com/office/drawing/2010/main" w="9525">
                 <a:solidFill>
                   <a:srgbClr val="000000"/>
@@ -2266,7 +2266,7 @@
         <p:nvSpPr>
           <p:cNvPr id="25603" name="Rectangle 2"/>
           <p:cNvSpPr>
-            <a:spLocks noRot="1" noChangeArrowheads="1" noTextEdit="1"/>
+            <a:spLocks noGrp="1" noRot="1" noChangeAspect="1" noChangeArrowheads="1" noTextEdit="1"/>
           </p:cNvSpPr>
           <p:nvPr>
             <p:ph type="sldImg"/>
@@ -2290,14 +2290,14 @@
           <a:noFill/>
           <a:ln/>
           <a:extLst>
-            <a:ext uri="{909E8E84-426E-40dd-AFC4-6F175D3DCCD1}">
+            <a:ext uri="{909E8E84-426E-40DD-AFC4-6F175D3DCCD1}">
               <a14:hiddenFill xmlns:a14="http://schemas.microsoft.com/office/drawing/2010/main">
                 <a:solidFill>
                   <a:srgbClr val="FFFFFF"/>
                 </a:solidFill>
               </a14:hiddenFill>
             </a:ext>
-            <a:ext uri="{91240B29-F687-4f45-9708-019B960494DF}">
+            <a:ext uri="{91240B29-F687-4F45-9708-019B960494DF}">
               <a14:hiddenLine xmlns:a14="http://schemas.microsoft.com/office/drawing/2010/main" w="9525">
                 <a:solidFill>
                   <a:srgbClr val="000000"/>
@@ -2308,7 +2308,7 @@
               </a14:hiddenLine>
             </a:ext>
             <a:ext uri="{FAA26D3D-D897-4be2-8F04-BA451C77F1D7}">
-              <ma14:placeholderFlag xmlns:ma14="http://schemas.microsoft.com/office/mac/drawingml/2011/main" val="1"/>
+              <ma14:placeholderFlag xmlns:ma14="http://schemas.microsoft.com/office/mac/drawingml/2011/main" xmlns="" val="1"/>
             </a:ext>
           </a:extLst>
         </p:spPr>
@@ -2360,14 +2360,14 @@
           <a:noFill/>
           <a:ln/>
           <a:extLst>
-            <a:ext uri="{909E8E84-426E-40dd-AFC4-6F175D3DCCD1}">
+            <a:ext uri="{909E8E84-426E-40DD-AFC4-6F175D3DCCD1}">
               <a14:hiddenFill xmlns:a14="http://schemas.microsoft.com/office/drawing/2010/main">
                 <a:solidFill>
                   <a:srgbClr val="FFFFFF"/>
                 </a:solidFill>
               </a14:hiddenFill>
             </a:ext>
-            <a:ext uri="{91240B29-F687-4f45-9708-019B960494DF}">
+            <a:ext uri="{91240B29-F687-4F45-9708-019B960494DF}">
               <a14:hiddenLine xmlns:a14="http://schemas.microsoft.com/office/drawing/2010/main" w="9525">
                 <a:solidFill>
                   <a:srgbClr val="000000"/>
@@ -2519,14 +2519,14 @@
           <a:noFill/>
           <a:ln/>
           <a:extLst>
-            <a:ext uri="{909E8E84-426E-40dd-AFC4-6F175D3DCCD1}">
+            <a:ext uri="{909E8E84-426E-40DD-AFC4-6F175D3DCCD1}">
               <a14:hiddenFill xmlns:a14="http://schemas.microsoft.com/office/drawing/2010/main">
                 <a:solidFill>
                   <a:srgbClr val="FFFFFF"/>
                 </a:solidFill>
               </a14:hiddenFill>
             </a:ext>
-            <a:ext uri="{91240B29-F687-4f45-9708-019B960494DF}">
+            <a:ext uri="{91240B29-F687-4F45-9708-019B960494DF}">
               <a14:hiddenLine xmlns:a14="http://schemas.microsoft.com/office/drawing/2010/main" w="9525">
                 <a:solidFill>
                   <a:srgbClr val="000000"/>
@@ -2676,7 +2676,7 @@
         <p:nvSpPr>
           <p:cNvPr id="26628" name="Rectangle 2"/>
           <p:cNvSpPr>
-            <a:spLocks noRot="1" noChangeArrowheads="1" noTextEdit="1"/>
+            <a:spLocks noGrp="1" noRot="1" noChangeAspect="1" noChangeArrowheads="1" noTextEdit="1"/>
           </p:cNvSpPr>
           <p:nvPr>
             <p:ph type="sldImg"/>
@@ -2700,14 +2700,14 @@
           <a:noFill/>
           <a:ln/>
           <a:extLst>
-            <a:ext uri="{909E8E84-426E-40dd-AFC4-6F175D3DCCD1}">
+            <a:ext uri="{909E8E84-426E-40DD-AFC4-6F175D3DCCD1}">
               <a14:hiddenFill xmlns:a14="http://schemas.microsoft.com/office/drawing/2010/main">
                 <a:solidFill>
                   <a:srgbClr val="FFFFFF"/>
                 </a:solidFill>
               </a14:hiddenFill>
             </a:ext>
-            <a:ext uri="{91240B29-F687-4f45-9708-019B960494DF}">
+            <a:ext uri="{91240B29-F687-4F45-9708-019B960494DF}">
               <a14:hiddenLine xmlns:a14="http://schemas.microsoft.com/office/drawing/2010/main" w="9525">
                 <a:solidFill>
                   <a:srgbClr val="000000"/>
@@ -2718,7 +2718,7 @@
               </a14:hiddenLine>
             </a:ext>
             <a:ext uri="{FAA26D3D-D897-4be2-8F04-BA451C77F1D7}">
-              <ma14:placeholderFlag xmlns:ma14="http://schemas.microsoft.com/office/mac/drawingml/2011/main" val="1"/>
+              <ma14:placeholderFlag xmlns:ma14="http://schemas.microsoft.com/office/mac/drawingml/2011/main" xmlns="" val="1"/>
             </a:ext>
           </a:extLst>
         </p:spPr>
@@ -2770,14 +2770,14 @@
           <a:noFill/>
           <a:ln/>
           <a:extLst>
-            <a:ext uri="{909E8E84-426E-40dd-AFC4-6F175D3DCCD1}">
+            <a:ext uri="{909E8E84-426E-40DD-AFC4-6F175D3DCCD1}">
               <a14:hiddenFill xmlns:a14="http://schemas.microsoft.com/office/drawing/2010/main">
                 <a:solidFill>
                   <a:srgbClr val="FFFFFF"/>
                 </a:solidFill>
               </a14:hiddenFill>
             </a:ext>
-            <a:ext uri="{91240B29-F687-4f45-9708-019B960494DF}">
+            <a:ext uri="{91240B29-F687-4F45-9708-019B960494DF}">
               <a14:hiddenLine xmlns:a14="http://schemas.microsoft.com/office/drawing/2010/main" w="9525">
                 <a:solidFill>
                   <a:srgbClr val="000000"/>
@@ -2929,14 +2929,14 @@
           <a:noFill/>
           <a:ln/>
           <a:extLst>
-            <a:ext uri="{909E8E84-426E-40dd-AFC4-6F175D3DCCD1}">
+            <a:ext uri="{909E8E84-426E-40DD-AFC4-6F175D3DCCD1}">
               <a14:hiddenFill xmlns:a14="http://schemas.microsoft.com/office/drawing/2010/main">
                 <a:solidFill>
                   <a:srgbClr val="FFFFFF"/>
                 </a:solidFill>
               </a14:hiddenFill>
             </a:ext>
-            <a:ext uri="{91240B29-F687-4f45-9708-019B960494DF}">
+            <a:ext uri="{91240B29-F687-4F45-9708-019B960494DF}">
               <a14:hiddenLine xmlns:a14="http://schemas.microsoft.com/office/drawing/2010/main" w="9525">
                 <a:solidFill>
                   <a:srgbClr val="000000"/>
@@ -3086,7 +3086,7 @@
         <p:nvSpPr>
           <p:cNvPr id="27652" name="Rectangle 2"/>
           <p:cNvSpPr>
-            <a:spLocks noRot="1" noChangeArrowheads="1" noTextEdit="1"/>
+            <a:spLocks noGrp="1" noRot="1" noChangeAspect="1" noChangeArrowheads="1" noTextEdit="1"/>
           </p:cNvSpPr>
           <p:nvPr>
             <p:ph type="sldImg"/>
@@ -3110,14 +3110,14 @@
           <a:noFill/>
           <a:ln/>
           <a:extLst>
-            <a:ext uri="{909E8E84-426E-40dd-AFC4-6F175D3DCCD1}">
+            <a:ext uri="{909E8E84-426E-40DD-AFC4-6F175D3DCCD1}">
               <a14:hiddenFill xmlns:a14="http://schemas.microsoft.com/office/drawing/2010/main">
                 <a:solidFill>
                   <a:srgbClr val="FFFFFF"/>
                 </a:solidFill>
               </a14:hiddenFill>
             </a:ext>
-            <a:ext uri="{91240B29-F687-4f45-9708-019B960494DF}">
+            <a:ext uri="{91240B29-F687-4F45-9708-019B960494DF}">
               <a14:hiddenLine xmlns:a14="http://schemas.microsoft.com/office/drawing/2010/main" w="9525">
                 <a:solidFill>
                   <a:srgbClr val="000000"/>
@@ -3128,7 +3128,7 @@
               </a14:hiddenLine>
             </a:ext>
             <a:ext uri="{FAA26D3D-D897-4be2-8F04-BA451C77F1D7}">
-              <ma14:placeholderFlag xmlns:ma14="http://schemas.microsoft.com/office/mac/drawingml/2011/main" val="1"/>
+              <ma14:placeholderFlag xmlns:ma14="http://schemas.microsoft.com/office/mac/drawingml/2011/main" xmlns="" val="1"/>
             </a:ext>
           </a:extLst>
         </p:spPr>
@@ -3180,14 +3180,14 @@
           <a:noFill/>
           <a:ln/>
           <a:extLst>
-            <a:ext uri="{909E8E84-426E-40dd-AFC4-6F175D3DCCD1}">
+            <a:ext uri="{909E8E84-426E-40DD-AFC4-6F175D3DCCD1}">
               <a14:hiddenFill xmlns:a14="http://schemas.microsoft.com/office/drawing/2010/main">
                 <a:solidFill>
                   <a:srgbClr val="FFFFFF"/>
                 </a:solidFill>
               </a14:hiddenFill>
             </a:ext>
-            <a:ext uri="{91240B29-F687-4f45-9708-019B960494DF}">
+            <a:ext uri="{91240B29-F687-4F45-9708-019B960494DF}">
               <a14:hiddenLine xmlns:a14="http://schemas.microsoft.com/office/drawing/2010/main" w="9525">
                 <a:solidFill>
                   <a:srgbClr val="000000"/>
@@ -3339,14 +3339,14 @@
           <a:noFill/>
           <a:ln/>
           <a:extLst>
-            <a:ext uri="{909E8E84-426E-40dd-AFC4-6F175D3DCCD1}">
+            <a:ext uri="{909E8E84-426E-40DD-AFC4-6F175D3DCCD1}">
               <a14:hiddenFill xmlns:a14="http://schemas.microsoft.com/office/drawing/2010/main">
                 <a:solidFill>
                   <a:srgbClr val="FFFFFF"/>
                 </a:solidFill>
               </a14:hiddenFill>
             </a:ext>
-            <a:ext uri="{91240B29-F687-4f45-9708-019B960494DF}">
+            <a:ext uri="{91240B29-F687-4F45-9708-019B960494DF}">
               <a14:hiddenLine xmlns:a14="http://schemas.microsoft.com/office/drawing/2010/main" w="9525">
                 <a:solidFill>
                   <a:srgbClr val="000000"/>
@@ -3496,7 +3496,7 @@
         <p:nvSpPr>
           <p:cNvPr id="28676" name="Rectangle 2"/>
           <p:cNvSpPr>
-            <a:spLocks noRot="1" noChangeArrowheads="1" noTextEdit="1"/>
+            <a:spLocks noGrp="1" noRot="1" noChangeAspect="1" noChangeArrowheads="1" noTextEdit="1"/>
           </p:cNvSpPr>
           <p:nvPr>
             <p:ph type="sldImg"/>
@@ -3520,14 +3520,14 @@
           <a:noFill/>
           <a:ln/>
           <a:extLst>
-            <a:ext uri="{909E8E84-426E-40dd-AFC4-6F175D3DCCD1}">
+            <a:ext uri="{909E8E84-426E-40DD-AFC4-6F175D3DCCD1}">
               <a14:hiddenFill xmlns:a14="http://schemas.microsoft.com/office/drawing/2010/main">
                 <a:solidFill>
                   <a:srgbClr val="FFFFFF"/>
                 </a:solidFill>
               </a14:hiddenFill>
             </a:ext>
-            <a:ext uri="{91240B29-F687-4f45-9708-019B960494DF}">
+            <a:ext uri="{91240B29-F687-4F45-9708-019B960494DF}">
               <a14:hiddenLine xmlns:a14="http://schemas.microsoft.com/office/drawing/2010/main" w="9525">
                 <a:solidFill>
                   <a:srgbClr val="000000"/>
@@ -3538,7 +3538,7 @@
               </a14:hiddenLine>
             </a:ext>
             <a:ext uri="{FAA26D3D-D897-4be2-8F04-BA451C77F1D7}">
-              <ma14:placeholderFlag xmlns:ma14="http://schemas.microsoft.com/office/mac/drawingml/2011/main" val="1"/>
+              <ma14:placeholderFlag xmlns:ma14="http://schemas.microsoft.com/office/mac/drawingml/2011/main" xmlns="" val="1"/>
             </a:ext>
           </a:extLst>
         </p:spPr>
@@ -3640,7 +3640,7 @@
             <a:tailEnd/>
           </a:ln>
           <a:extLst>
-            <a:ext uri="{909E8E84-426E-40dd-AFC4-6F175D3DCCD1}">
+            <a:ext uri="{909E8E84-426E-40DD-AFC4-6F175D3DCCD1}">
               <a14:hiddenFill xmlns:a14="http://schemas.microsoft.com/office/drawing/2010/main">
                 <a:solidFill>
                   <a:srgbClr val="FFFFFF"/>
@@ -3683,7 +3683,7 @@
             <a:tailEnd/>
           </a:ln>
           <a:extLst>
-            <a:ext uri="{909E8E84-426E-40dd-AFC4-6F175D3DCCD1}">
+            <a:ext uri="{909E8E84-426E-40DD-AFC4-6F175D3DCCD1}">
               <a14:hiddenFill xmlns:a14="http://schemas.microsoft.com/office/drawing/2010/main">
                 <a:noFill/>
               </a14:hiddenFill>
@@ -3784,7 +3784,7 @@
             <a:fld id="{52D6AB43-6CC1-0446-B228-E69146335DE0}" type="datetime1">
               <a:rPr lang="en-US"/>
               <a:pPr/>
-              <a:t>9/1/15</a:t>
+              <a:t>9/2/2015</a:t>
             </a:fld>
             <a:endParaRPr lang="en-US"/>
           </a:p>
@@ -3981,7 +3981,7 @@
             <a:fld id="{7CE3E96E-60CD-0940-A93B-39B9137F47A0}" type="datetime1">
               <a:rPr lang="en-US"/>
               <a:pPr/>
-              <a:t>9/1/15</a:t>
+              <a:t>9/2/2015</a:t>
             </a:fld>
             <a:endParaRPr lang="en-US"/>
           </a:p>
@@ -4187,7 +4187,7 @@
             <a:fld id="{C9813A27-C424-754D-9C6F-8136C3D25ABB}" type="datetime1">
               <a:rPr lang="en-US"/>
               <a:pPr/>
-              <a:t>9/1/15</a:t>
+              <a:t>9/2/2015</a:t>
             </a:fld>
             <a:endParaRPr lang="en-US"/>
           </a:p>
@@ -4450,7 +4450,7 @@
             <a:fld id="{C1B113DA-6E63-054A-821E-301214D5602C}" type="datetime1">
               <a:rPr lang="en-US"/>
               <a:pPr/>
-              <a:t>9/1/15</a:t>
+              <a:t>9/2/2015</a:t>
             </a:fld>
             <a:endParaRPr lang="en-US"/>
           </a:p>
@@ -4713,7 +4713,7 @@
             <a:fld id="{0278A991-130B-2B4A-B8F9-EF4D51B210AD}" type="datetime1">
               <a:rPr lang="en-US"/>
               <a:pPr/>
-              <a:t>9/1/15</a:t>
+              <a:t>9/2/2015</a:t>
             </a:fld>
             <a:endParaRPr lang="en-US"/>
           </a:p>
@@ -4909,7 +4909,7 @@
             <a:fld id="{9DCE7F82-1C6E-6C4B-86C6-224AF3797CE0}" type="datetime1">
               <a:rPr lang="en-US"/>
               <a:pPr/>
-              <a:t>9/1/15</a:t>
+              <a:t>9/2/2015</a:t>
             </a:fld>
             <a:endParaRPr lang="en-US"/>
           </a:p>
@@ -5127,7 +5127,7 @@
             <a:fld id="{B6888C77-CB9D-9F42-880D-0843308C8A7C}" type="datetime1">
               <a:rPr lang="en-US"/>
               <a:pPr/>
-              <a:t>9/1/15</a:t>
+              <a:t>9/2/2015</a:t>
             </a:fld>
             <a:endParaRPr lang="en-US"/>
           </a:p>
@@ -5441,7 +5441,7 @@
             <a:fld id="{EDD09631-4F90-EE4D-B89B-BDA3FD38481D}" type="datetime1">
               <a:rPr lang="en-US"/>
               <a:pPr/>
-              <a:t>9/1/15</a:t>
+              <a:t>9/2/2015</a:t>
             </a:fld>
             <a:endParaRPr lang="en-US"/>
           </a:p>
@@ -5894,7 +5894,7 @@
             <a:fld id="{87453B7B-3E0B-374D-8512-57F62AA424C8}" type="datetime1">
               <a:rPr lang="en-US"/>
               <a:pPr/>
-              <a:t>9/1/15</a:t>
+              <a:t>9/2/2015</a:t>
             </a:fld>
             <a:endParaRPr lang="en-US"/>
           </a:p>
@@ -6038,7 +6038,7 @@
             <a:fld id="{C80A666E-A296-2241-9EA6-86C7A2FCA5C7}" type="datetime1">
               <a:rPr lang="en-US"/>
               <a:pPr/>
-              <a:t>9/1/15</a:t>
+              <a:t>9/2/2015</a:t>
             </a:fld>
             <a:endParaRPr lang="en-US"/>
           </a:p>
@@ -6159,7 +6159,7 @@
             <a:fld id="{4B8E3401-D108-FB4B-BE6C-CEF3AC6CCEC4}" type="datetime1">
               <a:rPr lang="en-US"/>
               <a:pPr/>
-              <a:t>9/1/15</a:t>
+              <a:t>9/2/2015</a:t>
             </a:fld>
             <a:endParaRPr lang="en-US"/>
           </a:p>
@@ -6462,7 +6462,7 @@
             <a:fld id="{BDD1D939-05ED-4343-B63A-2896EC21292A}" type="datetime1">
               <a:rPr lang="en-US"/>
               <a:pPr/>
-              <a:t>9/1/15</a:t>
+              <a:t>9/2/2015</a:t>
             </a:fld>
             <a:endParaRPr lang="en-US"/>
           </a:p>
@@ -6742,7 +6742,7 @@
             <a:fld id="{D902DBC0-230B-DA44-B7CA-1E10877F91AF}" type="datetime1">
               <a:rPr lang="en-US"/>
               <a:pPr/>
-              <a:t>9/1/15</a:t>
+              <a:t>9/2/2015</a:t>
             </a:fld>
             <a:endParaRPr lang="en-US"/>
           </a:p>
@@ -6870,14 +6870,14 @@
             <a:noFill/>
           </a:ln>
           <a:extLst>
-            <a:ext uri="{909E8E84-426E-40dd-AFC4-6F175D3DCCD1}">
+            <a:ext uri="{909E8E84-426E-40DD-AFC4-6F175D3DCCD1}">
               <a14:hiddenFill xmlns:a14="http://schemas.microsoft.com/office/drawing/2010/main">
                 <a:solidFill>
                   <a:srgbClr val="FFFFFF"/>
                 </a:solidFill>
               </a14:hiddenFill>
             </a:ext>
-            <a:ext uri="{91240B29-F687-4f45-9708-019B960494DF}">
+            <a:ext uri="{91240B29-F687-4F45-9708-019B960494DF}">
               <a14:hiddenLine xmlns:a14="http://schemas.microsoft.com/office/drawing/2010/main" w="9525">
                 <a:solidFill>
                   <a:srgbClr val="000000"/>
@@ -6888,7 +6888,7 @@
               </a14:hiddenLine>
             </a:ext>
             <a:ext uri="{FAA26D3D-D897-4be2-8F04-BA451C77F1D7}">
-              <ma14:placeholderFlag xmlns:ma14="http://schemas.microsoft.com/office/mac/drawingml/2011/main" val="1"/>
+              <ma14:placeholderFlag xmlns:ma14="http://schemas.microsoft.com/office/mac/drawingml/2011/main" xmlns="" val="1"/>
             </a:ext>
           </a:extLst>
         </p:spPr>
@@ -6931,14 +6931,14 @@
             <a:noFill/>
           </a:ln>
           <a:extLst>
-            <a:ext uri="{909E8E84-426E-40dd-AFC4-6F175D3DCCD1}">
+            <a:ext uri="{909E8E84-426E-40DD-AFC4-6F175D3DCCD1}">
               <a14:hiddenFill xmlns:a14="http://schemas.microsoft.com/office/drawing/2010/main">
                 <a:solidFill>
                   <a:srgbClr val="FFFFFF"/>
                 </a:solidFill>
               </a14:hiddenFill>
             </a:ext>
-            <a:ext uri="{91240B29-F687-4f45-9708-019B960494DF}">
+            <a:ext uri="{91240B29-F687-4F45-9708-019B960494DF}">
               <a14:hiddenLine xmlns:a14="http://schemas.microsoft.com/office/drawing/2010/main" w="9525">
                 <a:solidFill>
                   <a:srgbClr val="000000"/>
@@ -6949,7 +6949,7 @@
               </a14:hiddenLine>
             </a:ext>
             <a:ext uri="{FAA26D3D-D897-4be2-8F04-BA451C77F1D7}">
-              <ma14:placeholderFlag xmlns:ma14="http://schemas.microsoft.com/office/mac/drawingml/2011/main" val="1"/>
+              <ma14:placeholderFlag xmlns:ma14="http://schemas.microsoft.com/office/mac/drawingml/2011/main" xmlns="" val="1"/>
             </a:ext>
           </a:extLst>
         </p:spPr>
@@ -7041,7 +7041,7 @@
             <a:fld id="{A98DB372-EA9D-914B-9EED-3B74331516EE}" type="datetime1">
               <a:rPr lang="en-US"/>
               <a:pPr/>
-              <a:t>9/1/15</a:t>
+              <a:t>9/2/2015</a:t>
             </a:fld>
             <a:endParaRPr lang="en-US"/>
           </a:p>
@@ -7214,7 +7214,7 @@
             <a:tailEnd/>
           </a:ln>
           <a:extLst>
-            <a:ext uri="{909E8E84-426E-40dd-AFC4-6F175D3DCCD1}">
+            <a:ext uri="{909E8E84-426E-40DD-AFC4-6F175D3DCCD1}">
               <a14:hiddenFill xmlns:a14="http://schemas.microsoft.com/office/drawing/2010/main">
                 <a:solidFill>
                   <a:srgbClr val="FFFFFF"/>
@@ -7257,7 +7257,7 @@
             <a:tailEnd/>
           </a:ln>
           <a:extLst>
-            <a:ext uri="{909E8E84-426E-40dd-AFC4-6F175D3DCCD1}">
+            <a:ext uri="{909E8E84-426E-40DD-AFC4-6F175D3DCCD1}">
               <a14:hiddenFill xmlns:a14="http://schemas.microsoft.com/office/drawing/2010/main">
                 <a:noFill/>
               </a14:hiddenFill>
@@ -7293,7 +7293,7 @@
   <p:timing>
     <p:tnLst>
       <p:par>
-        <p:cTn xmlns:p14="http://schemas.microsoft.com/office/powerpoint/2010/main" id="1" dur="indefinite" restart="never" nodeType="tmRoot"/>
+        <p:cTn id="1" dur="indefinite" restart="never" nodeType="tmRoot"/>
       </p:par>
     </p:tnLst>
   </p:timing>
@@ -7906,7 +7906,7 @@
   <p:timing>
     <p:tnLst>
       <p:par>
-        <p:cTn xmlns:p14="http://schemas.microsoft.com/office/powerpoint/2010/main" id="1" dur="indefinite" restart="never" nodeType="tmRoot"/>
+        <p:cTn id="1" dur="indefinite" restart="never" nodeType="tmRoot"/>
       </p:par>
     </p:tnLst>
   </p:timing>
@@ -8066,7 +8066,7 @@
                 <a:latin typeface="Garamond" charset="0"/>
               </a:rPr>
               <a:pPr eaLnBrk="1" hangingPunct="1"/>
-              <a:t>9/1/15</a:t>
+              <a:t>9/2/2015</a:t>
             </a:fld>
             <a:endParaRPr lang="en-US">
               <a:latin typeface="Garamond" charset="0"/>
@@ -8355,7 +8355,7 @@
   <p:timing>
     <p:tnLst>
       <p:par>
-        <p:cTn xmlns:p14="http://schemas.microsoft.com/office/powerpoint/2010/main" id="1" dur="indefinite" restart="never" nodeType="tmRoot">
+        <p:cTn id="1" dur="indefinite" restart="never" nodeType="tmRoot">
           <p:childTnLst>
             <p:seq concurrent="1" nextAc="seek">
               <p:cTn id="2" dur="indefinite" nodeType="mainSeq">
@@ -8649,7 +8649,7 @@
           <p:nvPr/>
         </p:nvPicPr>
         <p:blipFill>
-          <a:blip r:embed="rId3">
+          <a:blip r:embed="rId3" cstate="email">
             <a:extLst>
               <a:ext uri="{28A0092B-C50C-407E-A947-70E740481C1C}">
                 <a14:useLocalDpi xmlns:a14="http://schemas.microsoft.com/office/drawing/2010/main" val="0"/>
@@ -8674,14 +8674,14 @@
             <a:noFill/>
           </a:ln>
           <a:extLst>
-            <a:ext uri="{909E8E84-426E-40dd-AFC4-6F175D3DCCD1}">
+            <a:ext uri="{909E8E84-426E-40DD-AFC4-6F175D3DCCD1}">
               <a14:hiddenFill xmlns:a14="http://schemas.microsoft.com/office/drawing/2010/main">
                 <a:solidFill>
                   <a:srgbClr val="FFFFFF"/>
                 </a:solidFill>
               </a14:hiddenFill>
             </a:ext>
-            <a:ext uri="{91240B29-F687-4f45-9708-019B960494DF}">
+            <a:ext uri="{91240B29-F687-4F45-9708-019B960494DF}">
               <a14:hiddenLine xmlns:a14="http://schemas.microsoft.com/office/drawing/2010/main" w="9525">
                 <a:solidFill>
                   <a:srgbClr val="000000"/>
@@ -8728,14 +8728,14 @@
             <a:noFill/>
           </a:ln>
           <a:extLst>
-            <a:ext uri="{909E8E84-426E-40dd-AFC4-6F175D3DCCD1}">
+            <a:ext uri="{909E8E84-426E-40DD-AFC4-6F175D3DCCD1}">
               <a14:hiddenFill xmlns:a14="http://schemas.microsoft.com/office/drawing/2010/main">
                 <a:solidFill>
                   <a:srgbClr val="FFFFFF"/>
                 </a:solidFill>
               </a14:hiddenFill>
             </a:ext>
-            <a:ext uri="{91240B29-F687-4f45-9708-019B960494DF}">
+            <a:ext uri="{91240B29-F687-4F45-9708-019B960494DF}">
               <a14:hiddenLine xmlns:a14="http://schemas.microsoft.com/office/drawing/2010/main" w="9525">
                 <a:solidFill>
                   <a:srgbClr val="000000"/>
@@ -8769,14 +8769,14 @@
             <a:noFill/>
           </a:ln>
           <a:extLst>
-            <a:ext uri="{909E8E84-426E-40dd-AFC4-6F175D3DCCD1}">
+            <a:ext uri="{909E8E84-426E-40DD-AFC4-6F175D3DCCD1}">
               <a14:hiddenFill xmlns:a14="http://schemas.microsoft.com/office/drawing/2010/main">
                 <a:solidFill>
                   <a:srgbClr val="FFFFFF"/>
                 </a:solidFill>
               </a14:hiddenFill>
             </a:ext>
-            <a:ext uri="{91240B29-F687-4f45-9708-019B960494DF}">
+            <a:ext uri="{91240B29-F687-4F45-9708-019B960494DF}">
               <a14:hiddenLine xmlns:a14="http://schemas.microsoft.com/office/drawing/2010/main" w="9525">
                 <a:solidFill>
                   <a:srgbClr val="000000"/>
@@ -8911,14 +8911,14 @@
             <a:noFill/>
           </a:ln>
           <a:extLst>
-            <a:ext uri="{909E8E84-426E-40dd-AFC4-6F175D3DCCD1}">
+            <a:ext uri="{909E8E84-426E-40DD-AFC4-6F175D3DCCD1}">
               <a14:hiddenFill xmlns:a14="http://schemas.microsoft.com/office/drawing/2010/main">
                 <a:solidFill>
                   <a:srgbClr val="FFFFFF"/>
                 </a:solidFill>
               </a14:hiddenFill>
             </a:ext>
-            <a:ext uri="{91240B29-F687-4f45-9708-019B960494DF}">
+            <a:ext uri="{91240B29-F687-4F45-9708-019B960494DF}">
               <a14:hiddenLine xmlns:a14="http://schemas.microsoft.com/office/drawing/2010/main" w="9525">
                 <a:solidFill>
                   <a:srgbClr val="000000"/>
@@ -9128,14 +9128,14 @@
             <a:noFill/>
           </a:ln>
           <a:extLst>
-            <a:ext uri="{909E8E84-426E-40dd-AFC4-6F175D3DCCD1}">
+            <a:ext uri="{909E8E84-426E-40DD-AFC4-6F175D3DCCD1}">
               <a14:hiddenFill xmlns:a14="http://schemas.microsoft.com/office/drawing/2010/main">
                 <a:solidFill>
                   <a:srgbClr val="FFFFFF"/>
                 </a:solidFill>
               </a14:hiddenFill>
             </a:ext>
-            <a:ext uri="{91240B29-F687-4f45-9708-019B960494DF}">
+            <a:ext uri="{91240B29-F687-4F45-9708-019B960494DF}">
               <a14:hiddenLine xmlns:a14="http://schemas.microsoft.com/office/drawing/2010/main" w="9525">
                 <a:solidFill>
                   <a:srgbClr val="000000"/>
@@ -9385,7 +9385,7 @@
                 <a:latin typeface="Garamond" charset="0"/>
               </a:rPr>
               <a:pPr eaLnBrk="1" hangingPunct="1"/>
-              <a:t>9/1/15</a:t>
+              <a:t>9/2/2015</a:t>
             </a:fld>
             <a:endParaRPr lang="en-US">
               <a:latin typeface="Garamond" charset="0"/>
@@ -9568,11 +9568,11 @@
   <p:clrMapOvr>
     <a:masterClrMapping/>
   </p:clrMapOvr>
-  <p:transition xmlns:p14="http://schemas.microsoft.com/office/powerpoint/2010/main"/>
+  <p:transition/>
   <p:timing>
     <p:tnLst>
       <p:par>
-        <p:cTn xmlns:p14="http://schemas.microsoft.com/office/powerpoint/2010/main" id="1" dur="indefinite" restart="never" nodeType="tmRoot"/>
+        <p:cTn id="1" dur="indefinite" restart="never" nodeType="tmRoot"/>
       </p:par>
     </p:tnLst>
   </p:timing>
@@ -9642,14 +9642,14 @@
             <a:noFill/>
           </a:ln>
           <a:extLst>
-            <a:ext uri="{909E8E84-426E-40dd-AFC4-6F175D3DCCD1}">
+            <a:ext uri="{909E8E84-426E-40DD-AFC4-6F175D3DCCD1}">
               <a14:hiddenFill xmlns:a14="http://schemas.microsoft.com/office/drawing/2010/main">
                 <a:solidFill>
                   <a:srgbClr val="FFFFFF"/>
                 </a:solidFill>
               </a14:hiddenFill>
             </a:ext>
-            <a:ext uri="{91240B29-F687-4f45-9708-019B960494DF}">
+            <a:ext uri="{91240B29-F687-4F45-9708-019B960494DF}">
               <a14:hiddenLine xmlns:a14="http://schemas.microsoft.com/office/drawing/2010/main" w="9525">
                 <a:solidFill>
                   <a:srgbClr val="000000"/>
@@ -10208,7 +10208,7 @@
                 <a:latin typeface="Garamond" charset="0"/>
               </a:rPr>
               <a:pPr eaLnBrk="1" hangingPunct="1"/>
-              <a:t>9/1/15</a:t>
+              <a:t>9/2/2015</a:t>
             </a:fld>
             <a:endParaRPr lang="en-US">
               <a:latin typeface="Garamond" charset="0"/>
@@ -10407,14 +10407,14 @@
             <a:noFill/>
           </a:ln>
           <a:extLst>
-            <a:ext uri="{909E8E84-426E-40dd-AFC4-6F175D3DCCD1}">
+            <a:ext uri="{909E8E84-426E-40DD-AFC4-6F175D3DCCD1}">
               <a14:hiddenFill xmlns:a14="http://schemas.microsoft.com/office/drawing/2010/main">
                 <a:solidFill>
                   <a:srgbClr val="FFFFFF"/>
                 </a:solidFill>
               </a14:hiddenFill>
             </a:ext>
-            <a:ext uri="{91240B29-F687-4f45-9708-019B960494DF}">
+            <a:ext uri="{91240B29-F687-4F45-9708-019B960494DF}">
               <a14:hiddenLine xmlns:a14="http://schemas.microsoft.com/office/drawing/2010/main" w="9525">
                 <a:solidFill>
                   <a:srgbClr val="000000"/>
@@ -10581,7 +10581,7 @@
   <p:timing>
     <p:tnLst>
       <p:par>
-        <p:cTn xmlns:p14="http://schemas.microsoft.com/office/powerpoint/2010/main" id="1" dur="indefinite" restart="never" nodeType="tmRoot"/>
+        <p:cTn id="1" dur="indefinite" restart="never" nodeType="tmRoot"/>
       </p:par>
     </p:tnLst>
   </p:timing>
@@ -10640,7 +10640,7 @@
           </p:nvPr>
         </p:nvPicPr>
         <p:blipFill>
-          <a:blip r:embed="rId2">
+          <a:blip r:embed="rId2" cstate="email">
             <a:extLst>
               <a:ext uri="{28A0092B-C50C-407E-A947-70E740481C1C}">
                 <a14:useLocalDpi xmlns:a14="http://schemas.microsoft.com/office/drawing/2010/main" val="0"/>
@@ -10833,7 +10833,7 @@
                 <a:latin typeface="Garamond" charset="0"/>
               </a:rPr>
               <a:pPr eaLnBrk="1" hangingPunct="1"/>
-              <a:t>9/1/15</a:t>
+              <a:t>9/2/2015</a:t>
             </a:fld>
             <a:endParaRPr lang="en-US">
               <a:latin typeface="Garamond" charset="0"/>
@@ -11019,7 +11019,7 @@
   <p:timing>
     <p:tnLst>
       <p:par>
-        <p:cTn xmlns:p14="http://schemas.microsoft.com/office/powerpoint/2010/main" id="1" dur="indefinite" restart="never" nodeType="tmRoot"/>
+        <p:cTn id="1" dur="indefinite" restart="never" nodeType="tmRoot"/>
       </p:par>
     </p:tnLst>
   </p:timing>
@@ -11411,7 +11411,7 @@
                 <a:latin typeface="Garamond" charset="0"/>
               </a:rPr>
               <a:pPr eaLnBrk="1" hangingPunct="1"/>
-              <a:t>9/1/15</a:t>
+              <a:t>9/2/2015</a:t>
             </a:fld>
             <a:endParaRPr lang="en-US">
               <a:latin typeface="Garamond" charset="0"/>
@@ -11597,7 +11597,7 @@
   <p:timing>
     <p:tnLst>
       <p:par>
-        <p:cTn xmlns:p14="http://schemas.microsoft.com/office/powerpoint/2010/main" id="1" dur="indefinite" restart="never" nodeType="tmRoot">
+        <p:cTn id="1" dur="indefinite" restart="never" nodeType="tmRoot">
           <p:childTnLst>
             <p:seq concurrent="1" nextAc="seek">
               <p:cTn id="2" dur="indefinite" nodeType="mainSeq">
@@ -12255,7 +12255,7 @@
                 <a:latin typeface="Garamond" charset="0"/>
               </a:rPr>
               <a:pPr eaLnBrk="1" hangingPunct="1"/>
-              <a:t>9/1/15</a:t>
+              <a:t>9/2/2015</a:t>
             </a:fld>
             <a:endParaRPr lang="en-US">
               <a:latin typeface="Garamond" charset="0"/>
@@ -12441,7 +12441,7 @@
   <p:timing>
     <p:tnLst>
       <p:par>
-        <p:cTn xmlns:p14="http://schemas.microsoft.com/office/powerpoint/2010/main" id="1" dur="indefinite" restart="never" nodeType="tmRoot"/>
+        <p:cTn id="1" dur="indefinite" restart="never" nodeType="tmRoot"/>
       </p:par>
     </p:tnLst>
   </p:timing>
@@ -12720,7 +12720,7 @@
                 <a:latin typeface="Garamond" charset="0"/>
               </a:rPr>
               <a:pPr eaLnBrk="1" hangingPunct="1"/>
-              <a:t>9/1/15</a:t>
+              <a:t>9/2/2015</a:t>
             </a:fld>
             <a:endParaRPr lang="en-US">
               <a:latin typeface="Garamond" charset="0"/>
@@ -12906,7 +12906,7 @@
   <p:timing>
     <p:tnLst>
       <p:par>
-        <p:cTn xmlns:p14="http://schemas.microsoft.com/office/powerpoint/2010/main" id="1" dur="indefinite" restart="never" nodeType="tmRoot"/>
+        <p:cTn id="1" dur="indefinite" restart="never" nodeType="tmRoot"/>
       </p:par>
     </p:tnLst>
   </p:timing>
@@ -13066,7 +13066,7 @@
                 <a:latin typeface="Garamond" charset="0"/>
               </a:rPr>
               <a:pPr eaLnBrk="1" hangingPunct="1"/>
-              <a:t>9/1/15</a:t>
+              <a:t>9/2/2015</a:t>
             </a:fld>
             <a:endParaRPr lang="en-US">
               <a:latin typeface="Garamond" charset="0"/>
@@ -13311,41 +13311,20 @@
               <a:rPr lang="en-US" dirty="0" smtClean="0">
                 <a:ea typeface="+mn-ea"/>
               </a:rPr>
-              <a:t>MWF </a:t>
+              <a:t>MWF 8-</a:t>
+            </a:r>
+            <a:r>
+              <a:rPr lang="en-US" dirty="0">
+                <a:ea typeface="+mn-ea"/>
+              </a:rPr>
+              <a:t>8</a:t>
             </a:r>
             <a:r>
               <a:rPr lang="en-US" dirty="0" smtClean="0">
                 <a:ea typeface="+mn-ea"/>
               </a:rPr>
-              <a:t>8-</a:t>
-            </a:r>
-            <a:r>
-              <a:rPr lang="en-US" dirty="0">
-                <a:ea typeface="+mn-ea"/>
-              </a:rPr>
-              <a:t>8</a:t>
-            </a:r>
-            <a:r>
-              <a:rPr lang="en-US" dirty="0" smtClean="0">
-                <a:ea typeface="+mn-ea"/>
-              </a:rPr>
-              <a:t>:</a:t>
-            </a:r>
-            <a:r>
-              <a:rPr lang="en-US" dirty="0" smtClean="0">
-                <a:ea typeface="+mn-ea"/>
-              </a:rPr>
-              <a:t>50 AM, Ball </a:t>
-            </a:r>
-            <a:r>
-              <a:rPr lang="en-US" dirty="0" smtClean="0">
-                <a:ea typeface="+mn-ea"/>
-              </a:rPr>
-              <a:t>314</a:t>
-            </a:r>
-            <a:endParaRPr lang="en-US" dirty="0" smtClean="0">
-              <a:ea typeface="+mn-ea"/>
-            </a:endParaRPr>
+              <a:t>:50 AM, Ball 314</a:t>
+            </a:r>
           </a:p>
           <a:p>
             <a:pPr eaLnBrk="1" hangingPunct="1">
@@ -13371,9 +13350,6 @@
               </a:rPr>
               <a:t>Not required; will get access to new lab</a:t>
             </a:r>
-            <a:endParaRPr lang="en-US" dirty="0" smtClean="0">
-              <a:ea typeface="+mn-ea"/>
-            </a:endParaRPr>
           </a:p>
           <a:p>
             <a:pPr eaLnBrk="1" hangingPunct="1">
@@ -13612,7 +13588,7 @@
   <p:timing>
     <p:tnLst>
       <p:par>
-        <p:cTn xmlns:p14="http://schemas.microsoft.com/office/powerpoint/2010/main" id="1" dur="indefinite" restart="never" nodeType="tmRoot"/>
+        <p:cTn id="1" dur="indefinite" restart="never" nodeType="tmRoot"/>
       </p:par>
     </p:tnLst>
   </p:timing>
@@ -13772,7 +13748,7 @@
                 <a:latin typeface="Garamond" charset="0"/>
               </a:rPr>
               <a:pPr eaLnBrk="1" hangingPunct="1"/>
-              <a:t>9/1/15</a:t>
+              <a:t>9/2/2015</a:t>
             </a:fld>
             <a:endParaRPr lang="en-US">
               <a:latin typeface="Garamond" charset="0"/>
@@ -14072,70 +14048,25 @@
                 </a:solidFill>
                 <a:latin typeface="Arial" charset="0"/>
               </a:rPr>
-              <a:t>http://</a:t>
-            </a:r>
-            <a:r>
-              <a:rPr lang="en-US" sz="2400" dirty="0" err="1" smtClean="0">
+              <a:t>http</a:t>
+            </a:r>
+            <a:r>
+              <a:rPr lang="en-US" sz="2400">
                 <a:solidFill>
                   <a:srgbClr val="0000FF"/>
                 </a:solidFill>
                 <a:latin typeface="Arial" charset="0"/>
               </a:rPr>
-              <a:t>mjgeiger.eng.uml.edu</a:t>
-            </a:r>
-            <a:r>
-              <a:rPr lang="en-US" sz="2400" dirty="0">
+              <a:t>://</a:t>
+            </a:r>
+            <a:r>
+              <a:rPr lang="en-US" sz="2400" smtClean="0">
                 <a:solidFill>
                   <a:srgbClr val="0000FF"/>
                 </a:solidFill>
                 <a:latin typeface="Arial" charset="0"/>
               </a:rPr>
-              <a:t>/16317</a:t>
-            </a:r>
-            <a:r>
-              <a:rPr lang="en-US" sz="2400" dirty="0" smtClean="0">
-                <a:solidFill>
-                  <a:srgbClr val="0000FF"/>
-                </a:solidFill>
-                <a:latin typeface="Arial" charset="0"/>
-              </a:rPr>
-              <a:t>/</a:t>
-            </a:r>
-            <a:r>
-              <a:rPr lang="en-US" sz="2400" dirty="0">
-                <a:solidFill>
-                  <a:srgbClr val="0000FF"/>
-                </a:solidFill>
-                <a:latin typeface="Arial" charset="0"/>
-              </a:rPr>
-              <a:t>f</a:t>
-            </a:r>
-            <a:r>
-              <a:rPr lang="en-US" sz="2400" dirty="0" smtClean="0">
-                <a:solidFill>
-                  <a:srgbClr val="0000FF"/>
-                </a:solidFill>
-                <a:latin typeface="Arial" charset="0"/>
-              </a:rPr>
-              <a:t>15</a:t>
-            </a:r>
-            <a:r>
-              <a:rPr lang="en-US" sz="2400" dirty="0">
-                <a:solidFill>
-                  <a:srgbClr val="0000FF"/>
-                </a:solidFill>
-                <a:latin typeface="Arial" charset="0"/>
-              </a:rPr>
-              <a:t>/</a:t>
-            </a:r>
-            <a:r>
-              <a:rPr lang="en-US" sz="2400" dirty="0" err="1">
-                <a:solidFill>
-                  <a:srgbClr val="0000FF"/>
-                </a:solidFill>
-                <a:latin typeface="Arial" charset="0"/>
-              </a:rPr>
-              <a:t>index.htm</a:t>
+              <a:t>mjgeiger.github.io/16317/f15/index.htm</a:t>
             </a:r>
             <a:endParaRPr lang="en-US" sz="2400" dirty="0">
               <a:solidFill>
@@ -14219,7 +14150,7 @@
   <p:timing>
     <p:tnLst>
       <p:par>
-        <p:cTn xmlns:p14="http://schemas.microsoft.com/office/powerpoint/2010/main" id="1" dur="indefinite" restart="never" nodeType="tmRoot"/>
+        <p:cTn id="1" dur="indefinite" restart="never" nodeType="tmRoot"/>
       </p:par>
     </p:tnLst>
   </p:timing>
@@ -14520,7 +14451,7 @@
                 <a:latin typeface="Garamond" charset="0"/>
               </a:rPr>
               <a:pPr eaLnBrk="1" hangingPunct="1"/>
-              <a:t>9/1/15</a:t>
+              <a:t>9/2/2015</a:t>
             </a:fld>
             <a:endParaRPr lang="en-US">
               <a:latin typeface="Garamond" charset="0"/>
@@ -14705,7 +14636,7 @@
   <p:timing>
     <p:tnLst>
       <p:par>
-        <p:cTn xmlns:p14="http://schemas.microsoft.com/office/powerpoint/2010/main" id="1" dur="indefinite" restart="never" nodeType="tmRoot"/>
+        <p:cTn id="1" dur="indefinite" restart="never" nodeType="tmRoot"/>
       </p:par>
     </p:tnLst>
   </p:timing>
@@ -14982,7 +14913,7 @@
                 <a:latin typeface="Garamond" charset="0"/>
               </a:rPr>
               <a:pPr eaLnBrk="1" hangingPunct="1"/>
-              <a:t>9/1/15</a:t>
+              <a:t>9/2/2015</a:t>
             </a:fld>
             <a:endParaRPr lang="en-US">
               <a:latin typeface="Garamond" charset="0"/>
@@ -15167,7 +15098,7 @@
   <p:timing>
     <p:tnLst>
       <p:par>
-        <p:cTn xmlns:p14="http://schemas.microsoft.com/office/powerpoint/2010/main" id="1" dur="indefinite" restart="never" nodeType="tmRoot"/>
+        <p:cTn id="1" dur="indefinite" restart="never" nodeType="tmRoot"/>
       </p:par>
     </p:tnLst>
   </p:timing>
@@ -15327,7 +15258,7 @@
                 <a:latin typeface="Garamond" charset="0"/>
               </a:rPr>
               <a:pPr eaLnBrk="1" hangingPunct="1"/>
-              <a:t>9/1/15</a:t>
+              <a:t>9/2/2015</a:t>
             </a:fld>
             <a:endParaRPr lang="en-US">
               <a:latin typeface="Garamond" charset="0"/>
@@ -15764,7 +15695,7 @@
   <p:timing>
     <p:tnLst>
       <p:par>
-        <p:cTn xmlns:p14="http://schemas.microsoft.com/office/powerpoint/2010/main" id="1" dur="indefinite" restart="never" nodeType="tmRoot"/>
+        <p:cTn id="1" dur="indefinite" restart="never" nodeType="tmRoot"/>
       </p:par>
     </p:tnLst>
   </p:timing>
@@ -15939,19 +15870,7 @@
               <a:rPr lang="en-US" dirty="0" smtClean="0">
                 <a:ea typeface="+mn-ea"/>
               </a:rPr>
-              <a:t>Will work with </a:t>
-            </a:r>
-            <a:r>
-              <a:rPr lang="en-US" dirty="0" smtClean="0">
-                <a:ea typeface="+mn-ea"/>
-              </a:rPr>
-              <a:t>two (three?) </a:t>
-            </a:r>
-            <a:r>
-              <a:rPr lang="en-US" dirty="0" smtClean="0">
-                <a:ea typeface="+mn-ea"/>
-              </a:rPr>
-              <a:t>processor families:</a:t>
+              <a:t>Will work with two (three?) processor families:</a:t>
             </a:r>
           </a:p>
           <a:p>
@@ -15986,13 +15905,7 @@
               <a:rPr lang="en-US" dirty="0" smtClean="0">
                 <a:sym typeface="Wingdings" pitchFamily="2" charset="2"/>
               </a:rPr>
-              <a:t> actual microcontroller programming, </a:t>
-            </a:r>
-            <a:r>
-              <a:rPr lang="en-US" dirty="0" smtClean="0">
-                <a:sym typeface="Wingdings" pitchFamily="2" charset="2"/>
-              </a:rPr>
-              <a:t>interfacing</a:t>
+              <a:t> actual microcontroller programming, interfacing</a:t>
             </a:r>
           </a:p>
           <a:p>
@@ -16147,7 +16060,7 @@
                 <a:latin typeface="Garamond" charset="0"/>
               </a:rPr>
               <a:pPr eaLnBrk="1" hangingPunct="1"/>
-              <a:t>9/1/15</a:t>
+              <a:t>9/2/2015</a:t>
             </a:fld>
             <a:endParaRPr lang="en-US">
               <a:latin typeface="Garamond" charset="0"/>
@@ -16346,14 +16259,14 @@
             <a:noFill/>
           </a:ln>
           <a:extLst>
-            <a:ext uri="{909E8E84-426E-40dd-AFC4-6F175D3DCCD1}">
+            <a:ext uri="{909E8E84-426E-40DD-AFC4-6F175D3DCCD1}">
               <a14:hiddenFill xmlns:a14="http://schemas.microsoft.com/office/drawing/2010/main">
                 <a:solidFill>
                   <a:srgbClr val="FFFFFF"/>
                 </a:solidFill>
               </a14:hiddenFill>
             </a:ext>
-            <a:ext uri="{91240B29-F687-4f45-9708-019B960494DF}">
+            <a:ext uri="{91240B29-F687-4F45-9708-019B960494DF}">
               <a14:hiddenLine xmlns:a14="http://schemas.microsoft.com/office/drawing/2010/main" w="9525">
                 <a:solidFill>
                   <a:srgbClr val="000000"/>
@@ -16391,7 +16304,7 @@
   <p:timing>
     <p:tnLst>
       <p:par>
-        <p:cTn xmlns:p14="http://schemas.microsoft.com/office/powerpoint/2010/main" id="1" dur="indefinite" restart="never" nodeType="tmRoot"/>
+        <p:cTn id="1" dur="indefinite" restart="never" nodeType="tmRoot"/>
       </p:par>
     </p:tnLst>
   </p:timing>
@@ -16551,7 +16464,7 @@
                 <a:latin typeface="Garamond" charset="0"/>
               </a:rPr>
               <a:pPr eaLnBrk="1" hangingPunct="1"/>
-              <a:t>9/1/15</a:t>
+              <a:t>9/2/2015</a:t>
             </a:fld>
             <a:endParaRPr lang="en-US">
               <a:latin typeface="Garamond" charset="0"/>
@@ -17016,7 +16929,7 @@
   <p:timing>
     <p:tnLst>
       <p:par>
-        <p:cTn xmlns:p14="http://schemas.microsoft.com/office/powerpoint/2010/main" id="1" dur="indefinite" restart="never" nodeType="tmRoot"/>
+        <p:cTn id="1" dur="indefinite" restart="never" nodeType="tmRoot"/>
       </p:par>
     </p:tnLst>
   </p:timing>
